--- a/5 term/МППиУ/ПЗ2.pptx
+++ b/5 term/МППиУ/ПЗ2.pptx
@@ -12,6 +12,7 @@
     <p:sldId id="263" r:id="rId6"/>
     <p:sldId id="269" r:id="rId7"/>
     <p:sldId id="267" r:id="rId8"/>
+    <p:sldId id="270" r:id="rId9"/>
   </p:sldIdLst>
   <p:sldSz cx="12192000" cy="6858000"/>
   <p:notesSz cx="6858000" cy="9144000"/>
@@ -1871,7 +1872,7 @@
           <a:p>
             <a:fld id="{0C3DF494-F163-4AD9-9706-056EE0CA607C}" type="datetimeFigureOut">
               <a:rPr lang="ru-RU" smtClean="0"/>
-              <a:t>10.10.2023</a:t>
+              <a:t>08.11.2023</a:t>
             </a:fld>
             <a:endParaRPr lang="ru-RU"/>
           </a:p>
@@ -2081,7 +2082,7 @@
           <a:p>
             <a:fld id="{0C3DF494-F163-4AD9-9706-056EE0CA607C}" type="datetimeFigureOut">
               <a:rPr lang="ru-RU" smtClean="0"/>
-              <a:t>10.10.2023</a:t>
+              <a:t>08.11.2023</a:t>
             </a:fld>
             <a:endParaRPr lang="ru-RU"/>
           </a:p>
@@ -2301,7 +2302,7 @@
           <a:p>
             <a:fld id="{0C3DF494-F163-4AD9-9706-056EE0CA607C}" type="datetimeFigureOut">
               <a:rPr lang="ru-RU" smtClean="0"/>
-              <a:t>10.10.2023</a:t>
+              <a:t>08.11.2023</a:t>
             </a:fld>
             <a:endParaRPr lang="ru-RU"/>
           </a:p>
@@ -2560,7 +2561,7 @@
           <a:p>
             <a:fld id="{0C3DF494-F163-4AD9-9706-056EE0CA607C}" type="datetimeFigureOut">
               <a:rPr lang="ru-RU" smtClean="0"/>
-              <a:t>10.10.2023</a:t>
+              <a:t>08.11.2023</a:t>
             </a:fld>
             <a:endParaRPr lang="ru-RU"/>
           </a:p>
@@ -4143,7 +4144,7 @@
           <a:p>
             <a:fld id="{0C3DF494-F163-4AD9-9706-056EE0CA607C}" type="datetimeFigureOut">
               <a:rPr lang="ru-RU" smtClean="0"/>
-              <a:t>10.10.2023</a:t>
+              <a:t>08.11.2023</a:t>
             </a:fld>
             <a:endParaRPr lang="ru-RU"/>
           </a:p>
@@ -4420,7 +4421,7 @@
           <a:p>
             <a:fld id="{0C3DF494-F163-4AD9-9706-056EE0CA607C}" type="datetimeFigureOut">
               <a:rPr lang="ru-RU" smtClean="0"/>
-              <a:t>10.10.2023</a:t>
+              <a:t>08.11.2023</a:t>
             </a:fld>
             <a:endParaRPr lang="ru-RU"/>
           </a:p>
@@ -4844,7 +4845,7 @@
           <a:p>
             <a:fld id="{0C3DF494-F163-4AD9-9706-056EE0CA607C}" type="datetimeFigureOut">
               <a:rPr lang="ru-RU" smtClean="0"/>
-              <a:t>10.10.2023</a:t>
+              <a:t>08.11.2023</a:t>
             </a:fld>
             <a:endParaRPr lang="ru-RU"/>
           </a:p>
@@ -4997,7 +4998,7 @@
           <a:p>
             <a:fld id="{0C3DF494-F163-4AD9-9706-056EE0CA607C}" type="datetimeFigureOut">
               <a:rPr lang="ru-RU" smtClean="0"/>
-              <a:t>10.10.2023</a:t>
+              <a:t>08.11.2023</a:t>
             </a:fld>
             <a:endParaRPr lang="ru-RU"/>
           </a:p>
@@ -5122,7 +5123,7 @@
           <a:p>
             <a:fld id="{0C3DF494-F163-4AD9-9706-056EE0CA607C}" type="datetimeFigureOut">
               <a:rPr lang="ru-RU" smtClean="0"/>
-              <a:t>10.10.2023</a:t>
+              <a:t>08.11.2023</a:t>
             </a:fld>
             <a:endParaRPr lang="ru-RU"/>
           </a:p>
@@ -5445,7 +5446,7 @@
           <a:p>
             <a:fld id="{0C3DF494-F163-4AD9-9706-056EE0CA607C}" type="datetimeFigureOut">
               <a:rPr lang="ru-RU" smtClean="0"/>
-              <a:t>10.10.2023</a:t>
+              <a:t>08.11.2023</a:t>
             </a:fld>
             <a:endParaRPr lang="ru-RU"/>
           </a:p>
@@ -5698,7 +5699,7 @@
           <a:p>
             <a:fld id="{0C3DF494-F163-4AD9-9706-056EE0CA607C}" type="datetimeFigureOut">
               <a:rPr lang="ru-RU" smtClean="0"/>
-              <a:t>10.10.2023</a:t>
+              <a:t>08.11.2023</a:t>
             </a:fld>
             <a:endParaRPr lang="ru-RU"/>
           </a:p>
@@ -6695,7 +6696,7 @@
           <p:nvPr>
             <p:extLst>
               <p:ext uri="{D42A27DB-BD31-4B8C-83A1-F6EECF244321}">
-                <p14:modId xmlns:p14="http://schemas.microsoft.com/office/powerpoint/2010/main" val="86206143"/>
+                <p14:modId xmlns:p14="http://schemas.microsoft.com/office/powerpoint/2010/main" val="2295261281"/>
               </p:ext>
             </p:extLst>
           </p:nvPr>
@@ -7172,8 +7173,12 @@
                     <a:p>
                       <a:pPr algn="ctr"/>
                       <a:r>
+                        <a:rPr lang="en-US" dirty="0"/>
+                        <a:t>27 </a:t>
+                      </a:r>
+                      <a:r>
                         <a:rPr lang="ru-RU" dirty="0"/>
-                        <a:t>101 год</a:t>
+                        <a:t>лет</a:t>
                       </a:r>
                       <a:endParaRPr lang="en-BY" dirty="0"/>
                     </a:p>
@@ -7284,6 +7289,10 @@
                   <a:txBody>
                     <a:bodyPr/>
                     <a:lstStyle/>
+                    <a:p>
+                      <a:pPr algn="ctr"/>
+                      <a:endParaRPr lang="ru-RU" dirty="0"/>
+                    </a:p>
                     <a:p>
                       <a:pPr algn="ctr"/>
                       <a:r>
@@ -7399,7 +7408,7 @@
                           <a:ea typeface="+mn-ea"/>
                           <a:cs typeface="+mn-cs"/>
                         </a:rPr>
-                        <a:t>+</a:t>
+                        <a:t> чел</a:t>
                       </a:r>
                       <a:endParaRPr lang="en-BY" dirty="0"/>
                     </a:p>
@@ -7731,7 +7740,83 @@
                     <a:bodyPr/>
                     <a:lstStyle/>
                     <a:p>
-                      <a:pPr algn="ctr"/>
+                      <a:pPr marL="0" marR="0" lvl="0" indent="0" algn="ctr" defTabSz="914400" rtl="0" eaLnBrk="1" fontAlgn="auto" latinLnBrk="0" hangingPunct="1">
+                        <a:lnSpc>
+                          <a:spcPct val="100000"/>
+                        </a:lnSpc>
+                        <a:spcBef>
+                          <a:spcPts val="0"/>
+                        </a:spcBef>
+                        <a:spcAft>
+                          <a:spcPts val="0"/>
+                        </a:spcAft>
+                        <a:buClrTx/>
+                        <a:buSzTx/>
+                        <a:buFontTx/>
+                        <a:buNone/>
+                        <a:tabLst/>
+                        <a:defRPr/>
+                      </a:pPr>
+                      <a:r>
+                        <a:rPr lang="ru-RU" sz="1800" b="0" i="0" u="none" strike="noStrike" kern="1200" dirty="0">
+                          <a:solidFill>
+                            <a:schemeClr val="dk1"/>
+                          </a:solidFill>
+                          <a:effectLst/>
+                          <a:latin typeface="+mn-lt"/>
+                          <a:ea typeface="+mn-ea"/>
+                          <a:cs typeface="+mn-cs"/>
+                        </a:rPr>
+                        <a:t>Германия, Польша</a:t>
+                      </a:r>
+                      <a:r>
+                        <a:rPr lang="en-US" sz="1800" b="0" i="0" u="none" strike="noStrike" kern="1200" dirty="0">
+                          <a:solidFill>
+                            <a:schemeClr val="dk1"/>
+                          </a:solidFill>
+                          <a:effectLst/>
+                          <a:latin typeface="+mn-lt"/>
+                          <a:ea typeface="+mn-ea"/>
+                          <a:cs typeface="+mn-cs"/>
+                        </a:rPr>
+                        <a:t>,</a:t>
+                      </a:r>
+                      <a:r>
+                        <a:rPr lang="ru-RU" sz="1800" b="0" i="0" u="none" strike="noStrike" kern="1200" dirty="0">
+                          <a:solidFill>
+                            <a:schemeClr val="dk1"/>
+                          </a:solidFill>
+                          <a:effectLst/>
+                          <a:latin typeface="+mn-lt"/>
+                          <a:ea typeface="+mn-ea"/>
+                          <a:cs typeface="+mn-cs"/>
+                        </a:rPr>
+                        <a:t>Россия</a:t>
+                      </a:r>
+                      <a:r>
+                        <a:rPr lang="en-US" sz="1800" b="0" i="0" u="none" strike="noStrike" kern="1200" dirty="0">
+                          <a:solidFill>
+                            <a:schemeClr val="dk1"/>
+                          </a:solidFill>
+                          <a:effectLst/>
+                          <a:latin typeface="+mn-lt"/>
+                          <a:ea typeface="+mn-ea"/>
+                          <a:cs typeface="+mn-cs"/>
+                        </a:rPr>
+                        <a:t>,</a:t>
+                      </a:r>
+                      <a:r>
+                        <a:rPr lang="ru-RU" sz="1800" b="0" i="0" u="none" strike="noStrike" kern="1200" dirty="0">
+                          <a:solidFill>
+                            <a:schemeClr val="dk1"/>
+                          </a:solidFill>
+                          <a:effectLst/>
+                          <a:latin typeface="+mn-lt"/>
+                          <a:ea typeface="+mn-ea"/>
+                          <a:cs typeface="+mn-cs"/>
+                        </a:rPr>
+                        <a:t>Австрия</a:t>
+                      </a:r>
                       <a:endParaRPr lang="en-BY" dirty="0"/>
                     </a:p>
                   </a:txBody>
@@ -7865,6 +7950,10 @@
                     <a:lstStyle/>
                     <a:p>
                       <a:pPr algn="ctr"/>
+                      <a:endParaRPr lang="ru-RU" dirty="0"/>
+                    </a:p>
+                    <a:p>
+                      <a:pPr algn="ctr"/>
                       <a:r>
                         <a:rPr lang="en-BY" dirty="0"/>
                         <a:t>-</a:t>
@@ -7877,6 +7966,10 @@
                   <a:txBody>
                     <a:bodyPr/>
                     <a:lstStyle/>
+                    <a:p>
+                      <a:pPr algn="ctr"/>
+                      <a:endParaRPr lang="ru-RU" dirty="0"/>
+                    </a:p>
                     <a:p>
                       <a:pPr algn="ctr"/>
                       <a:r>
@@ -8237,6 +8330,18 @@
                     <a:lstStyle/>
                     <a:p>
                       <a:pPr algn="ctr"/>
+                      <a:r>
+                        <a:rPr lang="ru-RU" dirty="0"/>
+                        <a:t>СНГ</a:t>
+                      </a:r>
+                      <a:r>
+                        <a:rPr lang="en-US" dirty="0"/>
+                        <a:t>,</a:t>
+                      </a:r>
+                      <a:r>
+                        <a:rPr lang="ru-RU" dirty="0"/>
+                        <a:t>  страны Азии</a:t>
+                      </a:r>
                       <a:endParaRPr lang="en-BY" dirty="0"/>
                     </a:p>
                   </a:txBody>
@@ -8871,7 +8976,7 @@
         <p:spPr>
           <a:xfrm>
             <a:off x="285007" y="1358102"/>
-            <a:ext cx="9524011" cy="3847207"/>
+            <a:ext cx="9524011" cy="2677656"/>
           </a:xfrm>
           <a:prstGeom prst="rect">
             <a:avLst/>
@@ -8958,8 +9063,12 @@
               </a:spcAft>
             </a:pPr>
             <a:r>
-              <a:rPr lang="ru-RU" dirty="0"/>
-              <a:t>Прирост </a:t>
+              <a:rPr lang="ru-RU" b="1">
+                <a:solidFill>
+                  <a:schemeClr val="accent1"/>
+                </a:solidFill>
+              </a:rPr>
+              <a:t>Достаточность </a:t>
             </a:r>
             <a:r>
               <a:rPr lang="ru-RU" b="1" dirty="0">
@@ -8967,105 +9076,7 @@
                   <a:schemeClr val="accent1"/>
                 </a:solidFill>
               </a:rPr>
-              <a:t>капитала</a:t>
-            </a:r>
-            <a:r>
-              <a:rPr lang="ru-RU" dirty="0"/>
-              <a:t>  ожидается на уровне </a:t>
-            </a:r>
-            <a:r>
-              <a:rPr lang="ru-RU" dirty="0">
-                <a:solidFill>
-                  <a:schemeClr val="accent1"/>
-                </a:solidFill>
-              </a:rPr>
-              <a:t>+</a:t>
-            </a:r>
-            <a:r>
-              <a:rPr lang="ru-RU" b="1" dirty="0">
-                <a:solidFill>
-                  <a:schemeClr val="accent1"/>
-                </a:solidFill>
-              </a:rPr>
-              <a:t>96%</a:t>
-            </a:r>
-            <a:r>
-              <a:rPr lang="ru-RU" dirty="0">
-                <a:solidFill>
-                  <a:schemeClr val="accent1"/>
-                </a:solidFill>
-              </a:rPr>
-              <a:t> </a:t>
-            </a:r>
-            <a:r>
-              <a:rPr lang="ru-RU" dirty="0"/>
-              <a:t>к 2020 году;</a:t>
-            </a:r>
-          </a:p>
-          <a:p>
-            <a:pPr>
-              <a:spcAft>
-                <a:spcPts val="2400"/>
-              </a:spcAft>
-            </a:pPr>
-            <a:r>
-              <a:rPr lang="ru-RU" b="1" dirty="0">
-                <a:solidFill>
-                  <a:schemeClr val="accent1"/>
-                </a:solidFill>
-              </a:rPr>
-              <a:t>Нормативный капитал </a:t>
-            </a:r>
-            <a:r>
-              <a:rPr lang="ru-RU" dirty="0"/>
-              <a:t>на конец 2020 года ожидается на уровне </a:t>
-            </a:r>
-            <a:r>
-              <a:rPr lang="ru-RU" b="1" dirty="0">
-                <a:solidFill>
-                  <a:schemeClr val="accent1"/>
-                </a:solidFill>
-              </a:rPr>
-              <a:t>735</a:t>
-            </a:r>
-            <a:r>
-              <a:rPr lang="en-US" b="1" dirty="0">
-                <a:solidFill>
-                  <a:schemeClr val="accent1"/>
-                </a:solidFill>
-              </a:rPr>
-              <a:t> </a:t>
-            </a:r>
-            <a:r>
-              <a:rPr lang="ru-RU" b="1" dirty="0">
-                <a:solidFill>
-                  <a:schemeClr val="accent1"/>
-                </a:solidFill>
-              </a:rPr>
-              <a:t>млн. рублей</a:t>
-            </a:r>
-            <a:r>
-              <a:rPr lang="ru-RU" dirty="0">
-                <a:solidFill>
-                  <a:schemeClr val="accent1"/>
-                </a:solidFill>
-              </a:rPr>
-              <a:t>;</a:t>
-            </a:r>
-          </a:p>
-          <a:p>
-            <a:pPr>
-              <a:spcAft>
-                <a:spcPts val="2400"/>
-              </a:spcAft>
-            </a:pPr>
-            <a:r>
-              <a:rPr lang="ru-RU" b="1" dirty="0">
-                <a:solidFill>
-                  <a:schemeClr val="accent1"/>
-                </a:solidFill>
-              </a:rPr>
-              <a:t>Достаточность нормативного капитала </a:t>
+              <a:t>нормативного капитала </a:t>
             </a:r>
             <a:r>
               <a:rPr lang="ru-RU" dirty="0"/>
@@ -9599,6 +9610,84 @@
     <p:extLst>
       <p:ext uri="{BB962C8B-B14F-4D97-AF65-F5344CB8AC3E}">
         <p14:creationId xmlns:p14="http://schemas.microsoft.com/office/powerpoint/2010/main" val="404422940"/>
+      </p:ext>
+    </p:extLst>
+  </p:cSld>
+  <p:clrMapOvr>
+    <a:masterClrMapping/>
+  </p:clrMapOvr>
+  <mc:AlternateContent xmlns:mc="http://schemas.openxmlformats.org/markup-compatibility/2006" xmlns:p14="http://schemas.microsoft.com/office/powerpoint/2010/main">
+    <mc:Choice Requires="p14">
+      <p:transition spd="med" p14:dur="700">
+        <p:fade/>
+      </p:transition>
+    </mc:Choice>
+    <mc:Fallback xmlns="">
+      <p:transition spd="med">
+        <p:fade/>
+      </p:transition>
+    </mc:Fallback>
+  </mc:AlternateContent>
+</p:sld>
+</file>
+
+<file path=ppt/slides/slide8.xml><?xml version="1.0" encoding="utf-8"?>
+<p:sld xmlns:a="http://schemas.openxmlformats.org/drawingml/2006/main" xmlns:r="http://schemas.openxmlformats.org/officeDocument/2006/relationships" xmlns:p="http://schemas.openxmlformats.org/presentationml/2006/main">
+  <p:cSld>
+    <p:spTree>
+      <p:nvGrpSpPr>
+        <p:cNvPr id="1" name=""/>
+        <p:cNvGrpSpPr/>
+        <p:nvPr/>
+      </p:nvGrpSpPr>
+      <p:grpSpPr>
+        <a:xfrm>
+          <a:off x="0" y="0"/>
+          <a:ext cx="0" cy="0"/>
+          <a:chOff x="0" y="0"/>
+          <a:chExt cx="0" cy="0"/>
+        </a:xfrm>
+      </p:grpSpPr>
+      <p:sp>
+        <p:nvSpPr>
+          <p:cNvPr id="2" name="Title 1">
+            <a:extLst>
+              <a:ext uri="{FF2B5EF4-FFF2-40B4-BE49-F238E27FC236}">
+                <a16:creationId xmlns:a16="http://schemas.microsoft.com/office/drawing/2014/main" id="{C3F01EE9-8949-27E8-6153-FBE6D171C78B}"/>
+              </a:ext>
+            </a:extLst>
+          </p:cNvPr>
+          <p:cNvSpPr>
+            <a:spLocks noGrp="1"/>
+          </p:cNvSpPr>
+          <p:nvPr>
+            <p:ph type="title"/>
+          </p:nvPr>
+        </p:nvSpPr>
+        <p:spPr>
+          <a:xfrm>
+            <a:off x="1529862" y="2231963"/>
+            <a:ext cx="10014439" cy="2394073"/>
+          </a:xfrm>
+        </p:spPr>
+        <p:txBody>
+          <a:bodyPr>
+            <a:normAutofit fontScale="90000"/>
+          </a:bodyPr>
+          <a:lstStyle/>
+          <a:p>
+            <a:r>
+              <a:rPr lang="ru-RU" sz="8800" dirty="0"/>
+              <a:t>Спасибо за внимание!</a:t>
+            </a:r>
+            <a:endParaRPr lang="en-BY" sz="8800" dirty="0"/>
+          </a:p>
+        </p:txBody>
+      </p:sp>
+    </p:spTree>
+    <p:extLst>
+      <p:ext uri="{BB962C8B-B14F-4D97-AF65-F5344CB8AC3E}">
+        <p14:creationId xmlns:p14="http://schemas.microsoft.com/office/powerpoint/2010/main" val="830428438"/>
       </p:ext>
     </p:extLst>
   </p:cSld>
